--- a/materials/presentations/Big data [part 1].pptx
+++ b/materials/presentations/Big data [part 1].pptx
@@ -123,6 +123,68 @@
 </p:presentation>
 </file>
 
+<file path=ppt/revisionInfo.xml><?xml version="1.0" encoding="utf-8"?>
+<p1510:revInfo xmlns:a="http://schemas.openxmlformats.org/drawingml/2006/main" xmlns:r="http://schemas.openxmlformats.org/officeDocument/2006/relationships" xmlns:p1510="http://schemas.microsoft.com/office/powerpoint/2015/10/main">
+  <p1510:revLst>
+    <p1510:client id="{CFB86394-8B83-6C78-17B8-0FF817847325}" v="8" dt="2023-09-28T14:24:55.690"/>
+    <p1510:client id="{E99605CE-7939-585F-AC05-2A1255D570F7}" v="2" dt="2023-09-28T14:23:25.490"/>
+  </p1510:revLst>
+</p1510:revInfo>
+</file>
+
+<file path=ppt/changesInfos/changesInfo1.xml><?xml version="1.0" encoding="utf-8"?>
+<pc:chgInfo xmlns:a="http://schemas.openxmlformats.org/drawingml/2006/main" xmlns:r="http://schemas.openxmlformats.org/officeDocument/2006/relationships" xmlns:ac="http://schemas.microsoft.com/office/drawing/2013/main/command" xmlns:pc="http://schemas.microsoft.com/office/powerpoint/2013/main/command">
+  <pc:docChgLst>
+    <pc:chgData name="Aleksander Buczek" userId="S::aleksander.buczek@wroclaw.merito.pl::214dcb20-0035-4e74-a70c-49226de76d7c" providerId="AD" clId="Web-{E99605CE-7939-585F-AC05-2A1255D570F7}"/>
+    <pc:docChg chg="modSld">
+      <pc:chgData name="Aleksander Buczek" userId="S::aleksander.buczek@wroclaw.merito.pl::214dcb20-0035-4e74-a70c-49226de76d7c" providerId="AD" clId="Web-{E99605CE-7939-585F-AC05-2A1255D570F7}" dt="2023-09-28T14:23:25.490" v="1" actId="20577"/>
+      <pc:docMkLst>
+        <pc:docMk/>
+      </pc:docMkLst>
+      <pc:sldChg chg="modSp">
+        <pc:chgData name="Aleksander Buczek" userId="S::aleksander.buczek@wroclaw.merito.pl::214dcb20-0035-4e74-a70c-49226de76d7c" providerId="AD" clId="Web-{E99605CE-7939-585F-AC05-2A1255D570F7}" dt="2023-09-28T14:23:25.490" v="1" actId="20577"/>
+        <pc:sldMkLst>
+          <pc:docMk/>
+          <pc:sldMk cId="1309279033" sldId="256"/>
+        </pc:sldMkLst>
+        <pc:spChg chg="mod">
+          <ac:chgData name="Aleksander Buczek" userId="S::aleksander.buczek@wroclaw.merito.pl::214dcb20-0035-4e74-a70c-49226de76d7c" providerId="AD" clId="Web-{E99605CE-7939-585F-AC05-2A1255D570F7}" dt="2023-09-28T14:23:25.490" v="1" actId="20577"/>
+          <ac:spMkLst>
+            <pc:docMk/>
+            <pc:sldMk cId="1309279033" sldId="256"/>
+            <ac:spMk id="3" creationId="{78063B09-2BE3-40A3-B3B9-6E643D5471BB}"/>
+          </ac:spMkLst>
+        </pc:spChg>
+      </pc:sldChg>
+    </pc:docChg>
+  </pc:docChgLst>
+  <pc:docChgLst>
+    <pc:chgData name="Aleksander Buczek" userId="S::aleksander.buczek@wroclaw.merito.pl::214dcb20-0035-4e74-a70c-49226de76d7c" providerId="AD" clId="Web-{CFB86394-8B83-6C78-17B8-0FF817847325}"/>
+    <pc:docChg chg="modSld">
+      <pc:chgData name="Aleksander Buczek" userId="S::aleksander.buczek@wroclaw.merito.pl::214dcb20-0035-4e74-a70c-49226de76d7c" providerId="AD" clId="Web-{CFB86394-8B83-6C78-17B8-0FF817847325}" dt="2023-09-28T14:24:55.563" v="7" actId="20577"/>
+      <pc:docMkLst>
+        <pc:docMk/>
+      </pc:docMkLst>
+      <pc:sldChg chg="modSp">
+        <pc:chgData name="Aleksander Buczek" userId="S::aleksander.buczek@wroclaw.merito.pl::214dcb20-0035-4e74-a70c-49226de76d7c" providerId="AD" clId="Web-{CFB86394-8B83-6C78-17B8-0FF817847325}" dt="2023-09-28T14:24:55.563" v="7" actId="20577"/>
+        <pc:sldMkLst>
+          <pc:docMk/>
+          <pc:sldMk cId="1309279033" sldId="256"/>
+        </pc:sldMkLst>
+        <pc:spChg chg="mod">
+          <ac:chgData name="Aleksander Buczek" userId="S::aleksander.buczek@wroclaw.merito.pl::214dcb20-0035-4e74-a70c-49226de76d7c" providerId="AD" clId="Web-{CFB86394-8B83-6C78-17B8-0FF817847325}" dt="2023-09-28T14:24:55.563" v="7" actId="20577"/>
+          <ac:spMkLst>
+            <pc:docMk/>
+            <pc:sldMk cId="1309279033" sldId="256"/>
+            <ac:spMk id="3" creationId="{78063B09-2BE3-40A3-B3B9-6E643D5471BB}"/>
+          </ac:spMkLst>
+        </pc:spChg>
+      </pc:sldChg>
+    </pc:docChg>
+  </pc:docChgLst>
+</pc:chgInfo>
+</file>
+
 <file path=ppt/slideLayouts/slideLayout1.xml><?xml version="1.0" encoding="utf-8"?>
 <p:sldLayout xmlns:a="http://schemas.openxmlformats.org/drawingml/2006/main" xmlns:r="http://schemas.openxmlformats.org/officeDocument/2006/relationships" xmlns:p="http://schemas.openxmlformats.org/presentationml/2006/main" showMasterSp="0" type="title" preserve="1">
   <p:cSld name="Slajd tytułowy">
@@ -172,7 +234,7 @@
               <a:rPr lang="pl-PL"/>
               <a:t>Kliknij, aby edytować styl</a:t>
             </a:r>
-            <a:endParaRPr lang="en-US" dirty="0"/>
+            <a:endParaRPr lang="en-US"/>
           </a:p>
         </p:txBody>
       </p:sp>
@@ -293,7 +355,7 @@
               <a:rPr lang="pl-PL"/>
               <a:t>Kliknij, aby edytować styl wzorca podtytułu</a:t>
             </a:r>
-            <a:endParaRPr lang="en-US" dirty="0"/>
+            <a:endParaRPr lang="en-US"/>
           </a:p>
         </p:txBody>
       </p:sp>
@@ -315,9 +377,9 @@
             <a:fld id="{B61BEF0D-F0BB-DE4B-95CE-6DB70DBA9567}" type="datetimeFigureOut">
               <a:rPr lang="en-US" dirty="0"/>
               <a:pPr/>
-              <a:t>12/1/2022</a:t>
+              <a:t>9/28/2023</a:t>
             </a:fld>
-            <a:endParaRPr lang="en-US" dirty="0"/>
+            <a:endParaRPr lang="en-US"/>
           </a:p>
         </p:txBody>
       </p:sp>
@@ -336,7 +398,7 @@
           <a:bodyPr/>
           <a:lstStyle/>
           <a:p>
-            <a:endParaRPr lang="en-US" dirty="0"/>
+            <a:endParaRPr lang="en-US"/>
           </a:p>
         </p:txBody>
       </p:sp>
@@ -360,7 +422,7 @@
               <a:pPr/>
               <a:t>‹#›</a:t>
             </a:fld>
-            <a:endParaRPr lang="en-US" dirty="0"/>
+            <a:endParaRPr lang="en-US"/>
           </a:p>
         </p:txBody>
       </p:sp>
@@ -583,7 +645,7 @@
               <a:rPr lang="pl-PL"/>
               <a:t>Kliknij, aby edytować styl</a:t>
             </a:r>
-            <a:endParaRPr lang="en-US" dirty="0"/>
+            <a:endParaRPr lang="en-US"/>
           </a:p>
         </p:txBody>
       </p:sp>
@@ -670,7 +732,7 @@
               <a:rPr lang="pl-PL"/>
               <a:t>Kliknij ikonę, aby dodać obraz</a:t>
             </a:r>
-            <a:endParaRPr lang="en-US" dirty="0"/>
+            <a:endParaRPr lang="en-US"/>
           </a:p>
         </p:txBody>
       </p:sp>
@@ -748,9 +810,9 @@
             <a:fld id="{B61BEF0D-F0BB-DE4B-95CE-6DB70DBA9567}" type="datetimeFigureOut">
               <a:rPr lang="en-US" dirty="0"/>
               <a:pPr/>
-              <a:t>12/1/2022</a:t>
+              <a:t>9/28/2023</a:t>
             </a:fld>
-            <a:endParaRPr lang="en-US" dirty="0"/>
+            <a:endParaRPr lang="en-US"/>
           </a:p>
         </p:txBody>
       </p:sp>
@@ -769,7 +831,7 @@
           <a:bodyPr/>
           <a:lstStyle/>
           <a:p>
-            <a:endParaRPr lang="en-US" dirty="0"/>
+            <a:endParaRPr lang="en-US"/>
           </a:p>
         </p:txBody>
       </p:sp>
@@ -793,7 +855,7 @@
               <a:pPr/>
               <a:t>‹#›</a:t>
             </a:fld>
-            <a:endParaRPr lang="en-US" dirty="0"/>
+            <a:endParaRPr lang="en-US"/>
           </a:p>
         </p:txBody>
       </p:sp>
@@ -852,7 +914,7 @@
               <a:rPr lang="pl-PL"/>
               <a:t>Kliknij, aby edytować styl</a:t>
             </a:r>
-            <a:endParaRPr lang="en-US" dirty="0"/>
+            <a:endParaRPr lang="en-US"/>
           </a:p>
         </p:txBody>
       </p:sp>
@@ -995,9 +1057,9 @@
             <a:fld id="{B61BEF0D-F0BB-DE4B-95CE-6DB70DBA9567}" type="datetimeFigureOut">
               <a:rPr lang="en-US" dirty="0"/>
               <a:pPr/>
-              <a:t>12/1/2022</a:t>
+              <a:t>9/28/2023</a:t>
             </a:fld>
-            <a:endParaRPr lang="en-US" dirty="0"/>
+            <a:endParaRPr lang="en-US"/>
           </a:p>
         </p:txBody>
       </p:sp>
@@ -1016,7 +1078,7 @@
           <a:bodyPr/>
           <a:lstStyle/>
           <a:p>
-            <a:endParaRPr lang="en-US" dirty="0"/>
+            <a:endParaRPr lang="en-US"/>
           </a:p>
         </p:txBody>
       </p:sp>
@@ -1040,7 +1102,7 @@
               <a:pPr/>
               <a:t>‹#›</a:t>
             </a:fld>
-            <a:endParaRPr lang="en-US" dirty="0"/>
+            <a:endParaRPr lang="en-US"/>
           </a:p>
         </p:txBody>
       </p:sp>
@@ -1103,7 +1165,7 @@
               <a:rPr lang="pl-PL"/>
               <a:t>Kliknij, aby edytować styl</a:t>
             </a:r>
-            <a:endParaRPr lang="en-US" dirty="0"/>
+            <a:endParaRPr lang="en-US"/>
           </a:p>
         </p:txBody>
       </p:sp>
@@ -1300,9 +1362,9 @@
             <a:fld id="{B61BEF0D-F0BB-DE4B-95CE-6DB70DBA9567}" type="datetimeFigureOut">
               <a:rPr lang="en-US" dirty="0"/>
               <a:pPr/>
-              <a:t>12/1/2022</a:t>
+              <a:t>9/28/2023</a:t>
             </a:fld>
-            <a:endParaRPr lang="en-US" dirty="0"/>
+            <a:endParaRPr lang="en-US"/>
           </a:p>
         </p:txBody>
       </p:sp>
@@ -1321,7 +1383,7 @@
           <a:bodyPr/>
           <a:lstStyle/>
           <a:p>
-            <a:endParaRPr lang="en-US" dirty="0"/>
+            <a:endParaRPr lang="en-US"/>
           </a:p>
         </p:txBody>
       </p:sp>
@@ -1345,7 +1407,7 @@
               <a:pPr/>
               <a:t>‹#›</a:t>
             </a:fld>
-            <a:endParaRPr lang="en-US" dirty="0"/>
+            <a:endParaRPr lang="en-US"/>
           </a:p>
         </p:txBody>
       </p:sp>
@@ -1372,7 +1434,7 @@
           <a:p>
             <a:pPr lvl="0"/>
             <a:r>
-              <a:rPr lang="en-US" sz="8000" dirty="0">
+              <a:rPr lang="en-US" sz="8000">
                 <a:solidFill>
                   <a:schemeClr val="tx1"/>
                 </a:solidFill>
@@ -1406,7 +1468,7 @@
           <a:p>
             <a:pPr lvl="0" algn="r"/>
             <a:r>
-              <a:rPr lang="en-US" sz="8000" dirty="0">
+              <a:rPr lang="en-US" sz="8000">
                 <a:solidFill>
                   <a:schemeClr val="tx1"/>
                 </a:solidFill>
@@ -1472,7 +1534,7 @@
               <a:rPr lang="pl-PL"/>
               <a:t>Kliknij, aby edytować styl</a:t>
             </a:r>
-            <a:endParaRPr lang="en-US" dirty="0"/>
+            <a:endParaRPr lang="en-US"/>
           </a:p>
         </p:txBody>
       </p:sp>
@@ -1615,9 +1677,9 @@
             <a:fld id="{B61BEF0D-F0BB-DE4B-95CE-6DB70DBA9567}" type="datetimeFigureOut">
               <a:rPr lang="en-US" dirty="0"/>
               <a:pPr/>
-              <a:t>12/1/2022</a:t>
+              <a:t>9/28/2023</a:t>
             </a:fld>
-            <a:endParaRPr lang="en-US" dirty="0"/>
+            <a:endParaRPr lang="en-US"/>
           </a:p>
         </p:txBody>
       </p:sp>
@@ -1636,7 +1698,7 @@
           <a:bodyPr/>
           <a:lstStyle/>
           <a:p>
-            <a:endParaRPr lang="en-US" dirty="0"/>
+            <a:endParaRPr lang="en-US"/>
           </a:p>
         </p:txBody>
       </p:sp>
@@ -1660,7 +1722,7 @@
               <a:pPr/>
               <a:t>‹#›</a:t>
             </a:fld>
-            <a:endParaRPr lang="en-US" dirty="0"/>
+            <a:endParaRPr lang="en-US"/>
           </a:p>
         </p:txBody>
       </p:sp>
@@ -1723,7 +1785,7 @@
               <a:rPr lang="pl-PL"/>
               <a:t>Kliknij, aby edytować styl</a:t>
             </a:r>
-            <a:endParaRPr lang="en-US" dirty="0"/>
+            <a:endParaRPr lang="en-US"/>
           </a:p>
         </p:txBody>
       </p:sp>
@@ -1914,9 +1976,9 @@
             <a:fld id="{B61BEF0D-F0BB-DE4B-95CE-6DB70DBA9567}" type="datetimeFigureOut">
               <a:rPr lang="en-US" dirty="0"/>
               <a:pPr/>
-              <a:t>12/1/2022</a:t>
+              <a:t>9/28/2023</a:t>
             </a:fld>
-            <a:endParaRPr lang="en-US" dirty="0"/>
+            <a:endParaRPr lang="en-US"/>
           </a:p>
         </p:txBody>
       </p:sp>
@@ -1935,7 +1997,7 @@
           <a:bodyPr/>
           <a:lstStyle/>
           <a:p>
-            <a:endParaRPr lang="en-US" dirty="0"/>
+            <a:endParaRPr lang="en-US"/>
           </a:p>
         </p:txBody>
       </p:sp>
@@ -1959,7 +2021,7 @@
               <a:pPr/>
               <a:t>‹#›</a:t>
             </a:fld>
-            <a:endParaRPr lang="en-US" dirty="0"/>
+            <a:endParaRPr lang="en-US"/>
           </a:p>
         </p:txBody>
       </p:sp>
@@ -1986,7 +2048,7 @@
           <a:p>
             <a:pPr lvl="0"/>
             <a:r>
-              <a:rPr lang="en-US" sz="8000" dirty="0">
+              <a:rPr lang="en-US" sz="8000">
                 <a:solidFill>
                   <a:schemeClr val="tx1"/>
                 </a:solidFill>
@@ -2020,7 +2082,7 @@
           <a:p>
             <a:pPr lvl="0" algn="r"/>
             <a:r>
-              <a:rPr lang="en-US" sz="8000" dirty="0">
+              <a:rPr lang="en-US" sz="8000">
                 <a:solidFill>
                   <a:schemeClr val="tx1"/>
                 </a:solidFill>
@@ -2087,7 +2149,7 @@
               <a:rPr lang="pl-PL"/>
               <a:t>Kliknij, aby edytować styl</a:t>
             </a:r>
-            <a:endParaRPr lang="en-US" dirty="0"/>
+            <a:endParaRPr lang="en-US"/>
           </a:p>
         </p:txBody>
       </p:sp>
@@ -2278,9 +2340,9 @@
             <a:fld id="{B61BEF0D-F0BB-DE4B-95CE-6DB70DBA9567}" type="datetimeFigureOut">
               <a:rPr lang="en-US" dirty="0"/>
               <a:pPr/>
-              <a:t>12/1/2022</a:t>
+              <a:t>9/28/2023</a:t>
             </a:fld>
-            <a:endParaRPr lang="en-US" dirty="0"/>
+            <a:endParaRPr lang="en-US"/>
           </a:p>
         </p:txBody>
       </p:sp>
@@ -2299,7 +2361,7 @@
           <a:bodyPr/>
           <a:lstStyle/>
           <a:p>
-            <a:endParaRPr lang="en-US" dirty="0"/>
+            <a:endParaRPr lang="en-US"/>
           </a:p>
         </p:txBody>
       </p:sp>
@@ -2323,7 +2385,7 @@
               <a:pPr/>
               <a:t>‹#›</a:t>
             </a:fld>
-            <a:endParaRPr lang="en-US" dirty="0"/>
+            <a:endParaRPr lang="en-US"/>
           </a:p>
         </p:txBody>
       </p:sp>
@@ -2375,7 +2437,7 @@
               <a:rPr lang="pl-PL"/>
               <a:t>Kliknij, aby edytować styl</a:t>
             </a:r>
-            <a:endParaRPr lang="en-US" dirty="0"/>
+            <a:endParaRPr lang="en-US"/>
           </a:p>
         </p:txBody>
       </p:sp>
@@ -2427,7 +2489,7 @@
               <a:rPr lang="pl-PL"/>
               <a:t>Piąty poziom</a:t>
             </a:r>
-            <a:endParaRPr lang="en-US" dirty="0"/>
+            <a:endParaRPr lang="en-US"/>
           </a:p>
         </p:txBody>
       </p:sp>
@@ -2449,9 +2511,9 @@
             <a:fld id="{B61BEF0D-F0BB-DE4B-95CE-6DB70DBA9567}" type="datetimeFigureOut">
               <a:rPr lang="en-US" dirty="0"/>
               <a:pPr/>
-              <a:t>12/1/2022</a:t>
+              <a:t>9/28/2023</a:t>
             </a:fld>
-            <a:endParaRPr lang="en-US" dirty="0"/>
+            <a:endParaRPr lang="en-US"/>
           </a:p>
         </p:txBody>
       </p:sp>
@@ -2470,7 +2532,7 @@
           <a:bodyPr/>
           <a:lstStyle/>
           <a:p>
-            <a:endParaRPr lang="en-US" dirty="0"/>
+            <a:endParaRPr lang="en-US"/>
           </a:p>
         </p:txBody>
       </p:sp>
@@ -2494,7 +2556,7 @@
               <a:pPr/>
               <a:t>‹#›</a:t>
             </a:fld>
-            <a:endParaRPr lang="en-US" dirty="0"/>
+            <a:endParaRPr lang="en-US"/>
           </a:p>
         </p:txBody>
       </p:sp>
@@ -2547,7 +2609,7 @@
               <a:rPr lang="pl-PL"/>
               <a:t>Kliknij, aby edytować styl</a:t>
             </a:r>
-            <a:endParaRPr lang="en-US" dirty="0"/>
+            <a:endParaRPr lang="en-US"/>
           </a:p>
         </p:txBody>
       </p:sp>
@@ -2604,7 +2666,7 @@
               <a:rPr lang="pl-PL"/>
               <a:t>Piąty poziom</a:t>
             </a:r>
-            <a:endParaRPr lang="en-US" dirty="0"/>
+            <a:endParaRPr lang="en-US"/>
           </a:p>
         </p:txBody>
       </p:sp>
@@ -2626,9 +2688,9 @@
             <a:fld id="{B61BEF0D-F0BB-DE4B-95CE-6DB70DBA9567}" type="datetimeFigureOut">
               <a:rPr lang="en-US" dirty="0"/>
               <a:pPr/>
-              <a:t>12/1/2022</a:t>
+              <a:t>9/28/2023</a:t>
             </a:fld>
-            <a:endParaRPr lang="en-US" dirty="0"/>
+            <a:endParaRPr lang="en-US"/>
           </a:p>
         </p:txBody>
       </p:sp>
@@ -2647,7 +2709,7 @@
           <a:bodyPr/>
           <a:lstStyle/>
           <a:p>
-            <a:endParaRPr lang="en-US" dirty="0"/>
+            <a:endParaRPr lang="en-US"/>
           </a:p>
         </p:txBody>
       </p:sp>
@@ -2671,7 +2733,7 @@
               <a:pPr/>
               <a:t>‹#›</a:t>
             </a:fld>
-            <a:endParaRPr lang="en-US" dirty="0"/>
+            <a:endParaRPr lang="en-US"/>
           </a:p>
         </p:txBody>
       </p:sp>
@@ -2719,7 +2781,7 @@
               <a:rPr lang="pl-PL"/>
               <a:t>Kliknij, aby edytować styl</a:t>
             </a:r>
-            <a:endParaRPr lang="en-US" dirty="0"/>
+            <a:endParaRPr lang="en-US"/>
           </a:p>
         </p:txBody>
       </p:sp>
@@ -2771,7 +2833,7 @@
               <a:rPr lang="pl-PL"/>
               <a:t>Piąty poziom</a:t>
             </a:r>
-            <a:endParaRPr lang="en-US" dirty="0"/>
+            <a:endParaRPr lang="en-US"/>
           </a:p>
         </p:txBody>
       </p:sp>
@@ -2793,9 +2855,9 @@
             <a:fld id="{B61BEF0D-F0BB-DE4B-95CE-6DB70DBA9567}" type="datetimeFigureOut">
               <a:rPr lang="en-US" dirty="0"/>
               <a:pPr/>
-              <a:t>12/1/2022</a:t>
+              <a:t>9/28/2023</a:t>
             </a:fld>
-            <a:endParaRPr lang="en-US" dirty="0"/>
+            <a:endParaRPr lang="en-US"/>
           </a:p>
         </p:txBody>
       </p:sp>
@@ -2814,7 +2876,7 @@
           <a:bodyPr/>
           <a:lstStyle/>
           <a:p>
-            <a:endParaRPr lang="en-US" dirty="0"/>
+            <a:endParaRPr lang="en-US"/>
           </a:p>
         </p:txBody>
       </p:sp>
@@ -2838,7 +2900,7 @@
               <a:pPr/>
               <a:t>‹#›</a:t>
             </a:fld>
-            <a:endParaRPr lang="en-US" dirty="0"/>
+            <a:endParaRPr lang="en-US"/>
           </a:p>
         </p:txBody>
       </p:sp>
@@ -2897,7 +2959,7 @@
               <a:rPr lang="pl-PL"/>
               <a:t>Kliknij, aby edytować styl</a:t>
             </a:r>
-            <a:endParaRPr lang="en-US" dirty="0"/>
+            <a:endParaRPr lang="en-US"/>
           </a:p>
         </p:txBody>
       </p:sp>
@@ -3040,9 +3102,9 @@
             <a:fld id="{B61BEF0D-F0BB-DE4B-95CE-6DB70DBA9567}" type="datetimeFigureOut">
               <a:rPr lang="en-US" dirty="0"/>
               <a:pPr/>
-              <a:t>12/1/2022</a:t>
+              <a:t>9/28/2023</a:t>
             </a:fld>
-            <a:endParaRPr lang="en-US" dirty="0"/>
+            <a:endParaRPr lang="en-US"/>
           </a:p>
         </p:txBody>
       </p:sp>
@@ -3061,7 +3123,7 @@
           <a:bodyPr/>
           <a:lstStyle/>
           <a:p>
-            <a:endParaRPr lang="en-US" dirty="0"/>
+            <a:endParaRPr lang="en-US"/>
           </a:p>
         </p:txBody>
       </p:sp>
@@ -3085,7 +3147,7 @@
               <a:pPr/>
               <a:t>‹#›</a:t>
             </a:fld>
-            <a:endParaRPr lang="en-US" dirty="0"/>
+            <a:endParaRPr lang="en-US"/>
           </a:p>
         </p:txBody>
       </p:sp>
@@ -3133,7 +3195,7 @@
               <a:rPr lang="pl-PL"/>
               <a:t>Kliknij, aby edytować styl</a:t>
             </a:r>
-            <a:endParaRPr lang="en-US" dirty="0"/>
+            <a:endParaRPr lang="en-US"/>
           </a:p>
         </p:txBody>
       </p:sp>
@@ -3192,7 +3254,7 @@
               <a:rPr lang="pl-PL"/>
               <a:t>Piąty poziom</a:t>
             </a:r>
-            <a:endParaRPr lang="en-US" dirty="0"/>
+            <a:endParaRPr lang="en-US"/>
           </a:p>
         </p:txBody>
       </p:sp>
@@ -3251,7 +3313,7 @@
               <a:rPr lang="pl-PL"/>
               <a:t>Piąty poziom</a:t>
             </a:r>
-            <a:endParaRPr lang="en-US" dirty="0"/>
+            <a:endParaRPr lang="en-US"/>
           </a:p>
         </p:txBody>
       </p:sp>
@@ -3273,9 +3335,9 @@
             <a:fld id="{B61BEF0D-F0BB-DE4B-95CE-6DB70DBA9567}" type="datetimeFigureOut">
               <a:rPr lang="en-US" dirty="0"/>
               <a:pPr/>
-              <a:t>12/1/2022</a:t>
+              <a:t>9/28/2023</a:t>
             </a:fld>
-            <a:endParaRPr lang="en-US" dirty="0"/>
+            <a:endParaRPr lang="en-US"/>
           </a:p>
         </p:txBody>
       </p:sp>
@@ -3294,7 +3356,7 @@
           <a:bodyPr/>
           <a:lstStyle/>
           <a:p>
-            <a:endParaRPr lang="en-US" dirty="0"/>
+            <a:endParaRPr lang="en-US"/>
           </a:p>
         </p:txBody>
       </p:sp>
@@ -3318,7 +3380,7 @@
               <a:pPr/>
               <a:t>‹#›</a:t>
             </a:fld>
-            <a:endParaRPr lang="en-US" dirty="0"/>
+            <a:endParaRPr lang="en-US"/>
           </a:p>
         </p:txBody>
       </p:sp>
@@ -3370,7 +3432,7 @@
               <a:rPr lang="pl-PL"/>
               <a:t>Kliknij, aby edytować styl</a:t>
             </a:r>
-            <a:endParaRPr lang="en-US" dirty="0"/>
+            <a:endParaRPr lang="en-US"/>
           </a:p>
         </p:txBody>
       </p:sp>
@@ -3500,7 +3562,7 @@
               <a:rPr lang="pl-PL"/>
               <a:t>Piąty poziom</a:t>
             </a:r>
-            <a:endParaRPr lang="en-US" dirty="0"/>
+            <a:endParaRPr lang="en-US"/>
           </a:p>
         </p:txBody>
       </p:sp>
@@ -3630,7 +3692,7 @@
               <a:rPr lang="pl-PL"/>
               <a:t>Piąty poziom</a:t>
             </a:r>
-            <a:endParaRPr lang="en-US" dirty="0"/>
+            <a:endParaRPr lang="en-US"/>
           </a:p>
         </p:txBody>
       </p:sp>
@@ -3652,9 +3714,9 @@
             <a:fld id="{B61BEF0D-F0BB-DE4B-95CE-6DB70DBA9567}" type="datetimeFigureOut">
               <a:rPr lang="en-US" dirty="0"/>
               <a:pPr/>
-              <a:t>12/1/2022</a:t>
+              <a:t>9/28/2023</a:t>
             </a:fld>
-            <a:endParaRPr lang="en-US" dirty="0"/>
+            <a:endParaRPr lang="en-US"/>
           </a:p>
         </p:txBody>
       </p:sp>
@@ -3673,7 +3735,7 @@
           <a:bodyPr/>
           <a:lstStyle/>
           <a:p>
-            <a:endParaRPr lang="en-US" dirty="0"/>
+            <a:endParaRPr lang="en-US"/>
           </a:p>
         </p:txBody>
       </p:sp>
@@ -3697,7 +3759,7 @@
               <a:pPr/>
               <a:t>‹#›</a:t>
             </a:fld>
-            <a:endParaRPr lang="en-US" dirty="0"/>
+            <a:endParaRPr lang="en-US"/>
           </a:p>
         </p:txBody>
       </p:sp>
@@ -3745,7 +3807,7 @@
               <a:rPr lang="pl-PL"/>
               <a:t>Kliknij, aby edytować styl</a:t>
             </a:r>
-            <a:endParaRPr lang="en-US" dirty="0"/>
+            <a:endParaRPr lang="en-US"/>
           </a:p>
         </p:txBody>
       </p:sp>
@@ -3767,9 +3829,9 @@
             <a:fld id="{B61BEF0D-F0BB-DE4B-95CE-6DB70DBA9567}" type="datetimeFigureOut">
               <a:rPr lang="en-US" dirty="0"/>
               <a:pPr/>
-              <a:t>12/1/2022</a:t>
+              <a:t>9/28/2023</a:t>
             </a:fld>
-            <a:endParaRPr lang="en-US" dirty="0"/>
+            <a:endParaRPr lang="en-US"/>
           </a:p>
         </p:txBody>
       </p:sp>
@@ -3788,7 +3850,7 @@
           <a:bodyPr/>
           <a:lstStyle/>
           <a:p>
-            <a:endParaRPr lang="en-US" dirty="0"/>
+            <a:endParaRPr lang="en-US"/>
           </a:p>
         </p:txBody>
       </p:sp>
@@ -3812,7 +3874,7 @@
               <a:pPr/>
               <a:t>‹#›</a:t>
             </a:fld>
-            <a:endParaRPr lang="en-US" dirty="0"/>
+            <a:endParaRPr lang="en-US"/>
           </a:p>
         </p:txBody>
       </p:sp>
@@ -3859,9 +3921,9 @@
             <a:fld id="{B61BEF0D-F0BB-DE4B-95CE-6DB70DBA9567}" type="datetimeFigureOut">
               <a:rPr lang="en-US" dirty="0"/>
               <a:pPr/>
-              <a:t>12/1/2022</a:t>
+              <a:t>9/28/2023</a:t>
             </a:fld>
-            <a:endParaRPr lang="en-US" dirty="0"/>
+            <a:endParaRPr lang="en-US"/>
           </a:p>
         </p:txBody>
       </p:sp>
@@ -3880,7 +3942,7 @@
           <a:bodyPr/>
           <a:lstStyle/>
           <a:p>
-            <a:endParaRPr lang="en-US" dirty="0"/>
+            <a:endParaRPr lang="en-US"/>
           </a:p>
         </p:txBody>
       </p:sp>
@@ -3904,7 +3966,7 @@
               <a:pPr/>
               <a:t>‹#›</a:t>
             </a:fld>
-            <a:endParaRPr lang="en-US" dirty="0"/>
+            <a:endParaRPr lang="en-US"/>
           </a:p>
         </p:txBody>
       </p:sp>
@@ -3963,7 +4025,7 @@
               <a:rPr lang="pl-PL"/>
               <a:t>Kliknij, aby edytować styl</a:t>
             </a:r>
-            <a:endParaRPr lang="en-US" dirty="0"/>
+            <a:endParaRPr lang="en-US"/>
           </a:p>
         </p:txBody>
       </p:sp>
@@ -4022,7 +4084,7 @@
               <a:rPr lang="pl-PL"/>
               <a:t>Piąty poziom</a:t>
             </a:r>
-            <a:endParaRPr lang="en-US" dirty="0"/>
+            <a:endParaRPr lang="en-US"/>
           </a:p>
         </p:txBody>
       </p:sp>
@@ -4111,9 +4173,9 @@
             <a:fld id="{B61BEF0D-F0BB-DE4B-95CE-6DB70DBA9567}" type="datetimeFigureOut">
               <a:rPr lang="en-US" dirty="0"/>
               <a:pPr/>
-              <a:t>12/1/2022</a:t>
+              <a:t>9/28/2023</a:t>
             </a:fld>
-            <a:endParaRPr lang="en-US" dirty="0"/>
+            <a:endParaRPr lang="en-US"/>
           </a:p>
         </p:txBody>
       </p:sp>
@@ -4132,7 +4194,7 @@
           <a:bodyPr/>
           <a:lstStyle/>
           <a:p>
-            <a:endParaRPr lang="en-US" dirty="0"/>
+            <a:endParaRPr lang="en-US"/>
           </a:p>
         </p:txBody>
       </p:sp>
@@ -4156,7 +4218,7 @@
               <a:pPr/>
               <a:t>‹#›</a:t>
             </a:fld>
-            <a:endParaRPr lang="en-US" dirty="0"/>
+            <a:endParaRPr lang="en-US"/>
           </a:p>
         </p:txBody>
       </p:sp>
@@ -4215,7 +4277,7 @@
               <a:rPr lang="pl-PL"/>
               <a:t>Kliknij, aby edytować styl</a:t>
             </a:r>
-            <a:endParaRPr lang="en-US" dirty="0"/>
+            <a:endParaRPr lang="en-US"/>
           </a:p>
         </p:txBody>
       </p:sp>
@@ -4302,7 +4364,7 @@
               <a:rPr lang="pl-PL"/>
               <a:t>Kliknij ikonę, aby dodać obraz</a:t>
             </a:r>
-            <a:endParaRPr lang="en-US" dirty="0"/>
+            <a:endParaRPr lang="en-US"/>
           </a:p>
         </p:txBody>
       </p:sp>
@@ -4391,9 +4453,9 @@
             <a:fld id="{B61BEF0D-F0BB-DE4B-95CE-6DB70DBA9567}" type="datetimeFigureOut">
               <a:rPr lang="en-US" dirty="0"/>
               <a:pPr/>
-              <a:t>12/1/2022</a:t>
+              <a:t>9/28/2023</a:t>
             </a:fld>
-            <a:endParaRPr lang="en-US" dirty="0"/>
+            <a:endParaRPr lang="en-US"/>
           </a:p>
         </p:txBody>
       </p:sp>
@@ -4412,7 +4474,7 @@
           <a:bodyPr/>
           <a:lstStyle/>
           <a:p>
-            <a:endParaRPr lang="en-US" dirty="0"/>
+            <a:endParaRPr lang="en-US"/>
           </a:p>
         </p:txBody>
       </p:sp>
@@ -4436,7 +4498,7 @@
               <a:pPr/>
               <a:t>‹#›</a:t>
             </a:fld>
-            <a:endParaRPr lang="en-US" dirty="0"/>
+            <a:endParaRPr lang="en-US"/>
           </a:p>
         </p:txBody>
       </p:sp>
@@ -4690,7 +4752,7 @@
               <a:rPr lang="pl-PL"/>
               <a:t>Kliknij, aby edytować styl</a:t>
             </a:r>
-            <a:endParaRPr lang="en-US" dirty="0"/>
+            <a:endParaRPr lang="en-US"/>
           </a:p>
         </p:txBody>
       </p:sp>
@@ -4752,7 +4814,7 @@
               <a:rPr lang="pl-PL"/>
               <a:t>Piąty poziom</a:t>
             </a:r>
-            <a:endParaRPr lang="en-US" dirty="0"/>
+            <a:endParaRPr lang="en-US"/>
           </a:p>
         </p:txBody>
       </p:sp>
@@ -4794,9 +4856,9 @@
             <a:fld id="{B61BEF0D-F0BB-DE4B-95CE-6DB70DBA9567}" type="datetimeFigureOut">
               <a:rPr lang="en-US" dirty="0"/>
               <a:pPr/>
-              <a:t>12/1/2022</a:t>
+              <a:t>9/28/2023</a:t>
             </a:fld>
-            <a:endParaRPr lang="en-US" dirty="0"/>
+            <a:endParaRPr lang="en-US"/>
           </a:p>
         </p:txBody>
       </p:sp>
@@ -4835,7 +4897,7 @@
             </a:lvl1pPr>
           </a:lstStyle>
           <a:p>
-            <a:endParaRPr lang="en-US" dirty="0"/>
+            <a:endParaRPr lang="en-US"/>
           </a:p>
         </p:txBody>
       </p:sp>
@@ -4879,7 +4941,7 @@
               <a:pPr/>
               <a:t>‹#›</a:t>
             </a:fld>
-            <a:endParaRPr lang="en-US" dirty="0"/>
+            <a:endParaRPr lang="en-US"/>
           </a:p>
         </p:txBody>
       </p:sp>
@@ -5347,7 +5409,7 @@
           <a:lstStyle/>
           <a:p>
             <a:r>
-              <a:rPr lang="pl-PL" dirty="0"/>
+              <a:rPr lang="pl-PL"/>
               <a:t>Bazy Danych i big data</a:t>
             </a:r>
           </a:p>
@@ -5372,37 +5434,26 @@
         <p:spPr/>
         <p:txBody>
           <a:bodyPr>
-            <a:normAutofit fontScale="92500" lnSpcReduction="10000"/>
+            <a:normAutofit/>
           </a:bodyPr>
           <a:lstStyle/>
           <a:p>
             <a:r>
-              <a:rPr lang="pl-PL" sz="2400" dirty="0">
+              <a:rPr lang="pl-PL" sz="2400">
                 <a:solidFill>
                   <a:schemeClr val="tx1"/>
                 </a:solidFill>
               </a:rPr>
               <a:t>Temat: Big Data</a:t>
             </a:r>
-            <a:endParaRPr lang="pl-PL" dirty="0"/>
-          </a:p>
-          <a:p>
-            <a:r>
-              <a:rPr lang="pl-PL" dirty="0">
-                <a:solidFill>
-                  <a:schemeClr val="tx1"/>
-                </a:solidFill>
-              </a:rPr>
-              <a:t>Autor: Bartłomiej Parowicz</a:t>
-            </a:r>
             <a:br>
-              <a:rPr lang="en-US" dirty="0">
+              <a:rPr lang="en-US">
                 <a:solidFill>
                   <a:schemeClr val="tx1"/>
                 </a:solidFill>
               </a:rPr>
             </a:br>
-            <a:endParaRPr lang="en-US" dirty="0">
+            <a:endParaRPr lang="en-US">
               <a:solidFill>
                 <a:schemeClr val="tx1"/>
               </a:solidFill>
@@ -5410,7 +5461,7 @@
           </a:p>
           <a:p>
             <a:r>
-              <a:rPr lang="en-US" dirty="0" err="1">
+              <a:rPr lang="en-US" err="1">
                 <a:solidFill>
                   <a:schemeClr val="tx1"/>
                 </a:solidFill>
@@ -5418,14 +5469,14 @@
               <a:t>Prowadzący</a:t>
             </a:r>
             <a:r>
-              <a:rPr lang="en-US" dirty="0">
+              <a:rPr lang="en-US">
                 <a:solidFill>
                   <a:schemeClr val="tx1"/>
                 </a:solidFill>
               </a:rPr>
               <a:t>: Aleksander Buczek</a:t>
             </a:r>
-            <a:endParaRPr lang="pl-PL" dirty="0">
+            <a:endParaRPr lang="pl-PL">
               <a:solidFill>
                 <a:schemeClr val="tx1"/>
               </a:solidFill>
@@ -5433,7 +5484,7 @@
           </a:p>
           <a:p>
             <a:r>
-              <a:rPr lang="pl-PL" dirty="0">
+              <a:rPr lang="pl-PL">
                 <a:solidFill>
                   <a:schemeClr val="tx1"/>
                 </a:solidFill>
@@ -5441,7 +5492,7 @@
               <a:t>Kontakt: </a:t>
             </a:r>
             <a:r>
-              <a:rPr lang="en-US" dirty="0" err="1">
+              <a:rPr lang="en-US" err="1">
                 <a:solidFill>
                   <a:schemeClr val="tx1"/>
                 </a:solidFill>
@@ -5449,12 +5500,12 @@
               <a:t>aleksander.buczek</a:t>
             </a:r>
             <a:r>
-              <a:rPr lang="pl-PL" dirty="0">
+              <a:rPr lang="pl-PL">
                 <a:solidFill>
                   <a:schemeClr val="tx1"/>
                 </a:solidFill>
               </a:rPr>
-              <a:t>@wroclaw.wsb.pl</a:t>
+              <a:t>@wroclaw.merito.pl</a:t>
             </a:r>
           </a:p>
         </p:txBody>
@@ -6324,7 +6375,7 @@
           <a:lstStyle/>
           <a:p>
             <a:r>
-              <a:rPr lang="en-US" dirty="0"/>
+              <a:rPr lang="en-US"/>
               <a:t>YARN</a:t>
             </a:r>
           </a:p>
@@ -7403,7 +7454,7 @@
           <a:p>
             <a:pPr algn="r"/>
             <a:r>
-              <a:rPr lang="pl-PL" sz="5200" dirty="0"/>
+              <a:rPr lang="pl-PL" sz="5200"/>
               <a:t>Czym jest Big Data ?</a:t>
             </a:r>
           </a:p>
@@ -7504,7 +7555,7 @@
           <a:lstStyle/>
           <a:p>
             <a:r>
-              <a:rPr lang="pl-PL" b="1" dirty="0">
+              <a:rPr lang="pl-PL" b="1">
                 <a:solidFill>
                   <a:schemeClr val="tx1"/>
                 </a:solidFill>
@@ -7641,7 +7692,7 @@
           <a:lstStyle/>
           <a:p>
             <a:r>
-              <a:rPr lang="pl-PL" sz="2400" b="1" dirty="0">
+              <a:rPr lang="pl-PL" sz="2400" b="1">
                 <a:solidFill>
                   <a:srgbClr val="FFFFFF"/>
                 </a:solidFill>
@@ -7780,7 +7831,7 @@
           <a:lstStyle/>
           <a:p>
             <a:r>
-              <a:rPr lang="pl-PL" sz="1600" b="1" dirty="0">
+              <a:rPr lang="pl-PL" sz="1600" b="1">
                 <a:solidFill>
                   <a:schemeClr val="bg1"/>
                 </a:solidFill>
@@ -7788,7 +7839,7 @@
               <a:t>Volume</a:t>
             </a:r>
             <a:r>
-              <a:rPr lang="pl-PL" sz="1600" dirty="0">
+              <a:rPr lang="pl-PL" sz="1600">
                 <a:solidFill>
                   <a:schemeClr val="bg1"/>
                 </a:solidFill>
@@ -7798,7 +7849,7 @@
           </a:p>
           <a:p>
             <a:r>
-              <a:rPr lang="pl-PL" sz="1600" b="1" dirty="0" err="1">
+              <a:rPr lang="pl-PL" sz="1600" b="1" err="1">
                 <a:solidFill>
                   <a:schemeClr val="bg1"/>
                 </a:solidFill>
@@ -7806,7 +7857,7 @@
               <a:t>Velocity</a:t>
             </a:r>
             <a:r>
-              <a:rPr lang="pl-PL" sz="1600" b="1" dirty="0">
+              <a:rPr lang="pl-PL" sz="1600" b="1">
                 <a:solidFill>
                   <a:schemeClr val="bg1"/>
                 </a:solidFill>
@@ -7814,7 +7865,7 @@
               <a:t> </a:t>
             </a:r>
             <a:r>
-              <a:rPr lang="pl-PL" sz="1600" dirty="0">
+              <a:rPr lang="pl-PL" sz="1600">
                 <a:solidFill>
                   <a:schemeClr val="bg1"/>
                 </a:solidFill>
@@ -7824,7 +7875,7 @@
           </a:p>
           <a:p>
             <a:r>
-              <a:rPr lang="pl-PL" sz="1600" b="1" dirty="0" err="1">
+              <a:rPr lang="pl-PL" sz="1600" b="1" err="1">
                 <a:solidFill>
                   <a:schemeClr val="bg1"/>
                 </a:solidFill>
@@ -7832,7 +7883,7 @@
               <a:t>Variety</a:t>
             </a:r>
             <a:r>
-              <a:rPr lang="pl-PL" sz="1600" dirty="0">
+              <a:rPr lang="pl-PL" sz="1600">
                 <a:solidFill>
                   <a:schemeClr val="bg1"/>
                 </a:solidFill>
@@ -7840,14 +7891,14 @@
               <a:t> – duża </a:t>
             </a:r>
             <a:r>
-              <a:rPr lang="pl-PL" sz="1600" dirty="0" err="1">
+              <a:rPr lang="pl-PL" sz="1600" err="1">
                 <a:solidFill>
                   <a:schemeClr val="bg1"/>
                 </a:solidFill>
               </a:rPr>
               <a:t>rożnorodność</a:t>
             </a:r>
-            <a:endParaRPr lang="en-US" sz="1600" dirty="0">
+            <a:endParaRPr lang="en-US" sz="1600">
               <a:solidFill>
                 <a:schemeClr val="bg1"/>
               </a:solidFill>
@@ -8541,19 +8592,19 @@
           <a:lstStyle/>
           <a:p>
             <a:r>
-              <a:rPr lang="en-US" sz="4800" dirty="0" err="1"/>
+              <a:rPr lang="en-US" sz="4800" err="1"/>
               <a:t>Rodzaje</a:t>
             </a:r>
             <a:r>
-              <a:rPr lang="en-US" sz="4800" dirty="0"/>
+              <a:rPr lang="en-US" sz="4800"/>
               <a:t> </a:t>
             </a:r>
             <a:r>
-              <a:rPr lang="en-US" sz="4800" dirty="0" err="1"/>
+              <a:rPr lang="en-US" sz="4800" err="1"/>
               <a:t>Aplikacji</a:t>
             </a:r>
             <a:r>
-              <a:rPr lang="en-US" sz="4800" dirty="0"/>
+              <a:rPr lang="en-US" sz="4800"/>
               <a:t> Big Data</a:t>
             </a:r>
           </a:p>
@@ -11492,15 +11543,15 @@
           <a:p>
             <a:pPr algn="r"/>
             <a:r>
-              <a:rPr lang="pl-PL" dirty="0"/>
+              <a:rPr lang="pl-PL"/>
               <a:t>Czym jest </a:t>
             </a:r>
             <a:r>
-              <a:rPr lang="pl-PL" dirty="0" err="1"/>
+              <a:rPr lang="pl-PL" err="1"/>
               <a:t>Hadoop</a:t>
             </a:r>
             <a:r>
-              <a:rPr lang="pl-PL" dirty="0"/>
+              <a:rPr lang="pl-PL"/>
               <a:t> ?</a:t>
             </a:r>
           </a:p>
@@ -11601,7 +11652,7 @@
           <a:lstStyle/>
           <a:p>
             <a:r>
-              <a:rPr lang="pl-PL" dirty="0">
+              <a:rPr lang="pl-PL">
                 <a:solidFill>
                   <a:schemeClr val="tx1"/>
                 </a:solidFill>
